--- a/docs/IMS-Presentation.pptx
+++ b/docs/IMS-Presentation.pptx
@@ -5,17 +5,18 @@
     <p:sldMasterId id="2147483960" r:id="rId1"/>
   </p:sldMasterIdLst>
   <p:notesMasterIdLst>
-    <p:notesMasterId r:id="rId7"/>
+    <p:notesMasterId r:id="rId8"/>
   </p:notesMasterIdLst>
   <p:handoutMasterIdLst>
-    <p:handoutMasterId r:id="rId8"/>
+    <p:handoutMasterId r:id="rId9"/>
   </p:handoutMasterIdLst>
   <p:sldIdLst>
     <p:sldId id="256" r:id="rId2"/>
     <p:sldId id="257" r:id="rId3"/>
     <p:sldId id="259" r:id="rId4"/>
-    <p:sldId id="260" r:id="rId5"/>
-    <p:sldId id="258" r:id="rId6"/>
+    <p:sldId id="261" r:id="rId5"/>
+    <p:sldId id="260" r:id="rId6"/>
+    <p:sldId id="258" r:id="rId7"/>
   </p:sldIdLst>
   <p:sldSz cx="9144000" cy="6858000" type="screen4x3"/>
   <p:notesSz cx="6858000" cy="9144000"/>
@@ -4323,136 +4324,6 @@
       </p:grpSpPr>
       <p:sp>
         <p:nvSpPr>
-          <p:cNvPr id="2" name="Title 1"/>
-          <p:cNvSpPr>
-            <a:spLocks noGrp="1"/>
-          </p:cNvSpPr>
-          <p:nvPr>
-            <p:ph type="title"/>
-          </p:nvPr>
-        </p:nvSpPr>
-        <p:spPr/>
-        <p:txBody>
-          <a:bodyPr/>
-          <a:lstStyle/>
-          <a:p>
-            <a:r>
-              <a:rPr lang="en-US" dirty="0" smtClean="0"/>
-              <a:t>Team &amp; Project Management</a:t>
-            </a:r>
-            <a:endParaRPr lang="en-US" dirty="0"/>
-          </a:p>
-        </p:txBody>
-      </p:sp>
-      <p:sp>
-        <p:nvSpPr>
-          <p:cNvPr id="3" name="Content Placeholder 2"/>
-          <p:cNvSpPr>
-            <a:spLocks noGrp="1"/>
-          </p:cNvSpPr>
-          <p:nvPr>
-            <p:ph idx="1"/>
-          </p:nvPr>
-        </p:nvSpPr>
-        <p:spPr/>
-        <p:txBody>
-          <a:bodyPr/>
-          <a:lstStyle/>
-          <a:p>
-            <a:r>
-              <a:rPr lang="en-US" dirty="0" smtClean="0"/>
-              <a:t>Team communicated during class and e-mail</a:t>
-            </a:r>
-          </a:p>
-          <a:p>
-            <a:endParaRPr lang="en-US" dirty="0" smtClean="0"/>
-          </a:p>
-          <a:p>
-            <a:r>
-              <a:rPr lang="en-US" dirty="0" smtClean="0"/>
-              <a:t>Agile/Rapid Prototype methodology</a:t>
-            </a:r>
-          </a:p>
-          <a:p>
-            <a:pPr lvl="1"/>
-            <a:r>
-              <a:rPr lang="en-US" dirty="0" smtClean="0"/>
-              <a:t>Requirements: Use case diagram, technology framework</a:t>
-            </a:r>
-          </a:p>
-          <a:p>
-            <a:pPr lvl="1"/>
-            <a:r>
-              <a:rPr lang="en-US" dirty="0" smtClean="0"/>
-              <a:t>Create Models and verify database architecture</a:t>
-            </a:r>
-          </a:p>
-          <a:p>
-            <a:pPr lvl="1"/>
-            <a:r>
-              <a:rPr lang="en-US" dirty="0" smtClean="0"/>
-              <a:t>Create Controllers and API</a:t>
-            </a:r>
-          </a:p>
-          <a:p>
-            <a:pPr lvl="1"/>
-            <a:r>
-              <a:rPr lang="en-US" dirty="0" smtClean="0"/>
-              <a:t>Create Views/ Web application</a:t>
-            </a:r>
-          </a:p>
-          <a:p>
-            <a:endParaRPr lang="en-US" dirty="0" smtClean="0"/>
-          </a:p>
-          <a:p>
-            <a:r>
-              <a:rPr lang="en-US" dirty="0" smtClean="0"/>
-              <a:t>Utilized </a:t>
-            </a:r>
-            <a:r>
-              <a:rPr lang="en-US" dirty="0" err="1" smtClean="0"/>
-              <a:t>Github</a:t>
-            </a:r>
-            <a:r>
-              <a:rPr lang="en-US" dirty="0" smtClean="0"/>
-              <a:t> as collaborative code repository:</a:t>
-            </a:r>
-          </a:p>
-          <a:p>
-            <a:pPr lvl="1"/>
-            <a:r>
-              <a:rPr lang="en-US" dirty="0" err="1"/>
-              <a:t>Github</a:t>
-            </a:r>
-            <a:r>
-              <a:rPr lang="en-US" dirty="0"/>
-              <a:t>: http://</a:t>
-            </a:r>
-            <a:r>
-              <a:rPr lang="en-US" dirty="0" err="1"/>
-              <a:t>www.github.com</a:t>
-            </a:r>
-            <a:r>
-              <a:rPr lang="en-US" dirty="0"/>
-              <a:t>/</a:t>
-            </a:r>
-            <a:r>
-              <a:rPr lang="en-US" dirty="0" err="1"/>
-              <a:t>jasondbaker</a:t>
-            </a:r>
-            <a:r>
-              <a:rPr lang="en-US" dirty="0"/>
-              <a:t>/software-analysis</a:t>
-            </a:r>
-          </a:p>
-          <a:p>
-            <a:pPr lvl="1"/>
-            <a:endParaRPr lang="en-US" dirty="0" smtClean="0"/>
-          </a:p>
-        </p:txBody>
-      </p:sp>
-      <p:sp>
-        <p:nvSpPr>
           <p:cNvPr id="4" name="Slide Number Placeholder 3"/>
           <p:cNvSpPr>
             <a:spLocks noGrp="1"/>
@@ -4475,10 +4346,40 @@
           </a:p>
         </p:txBody>
       </p:sp>
+      <p:pic>
+        <p:nvPicPr>
+          <p:cNvPr id="7" name="Content Placeholder 6" descr="IMS-API.pdf"/>
+          <p:cNvPicPr>
+            <a:picLocks noGrp="1" noChangeAspect="1"/>
+          </p:cNvPicPr>
+          <p:nvPr>
+            <p:ph idx="1"/>
+          </p:nvPr>
+        </p:nvPicPr>
+        <p:blipFill>
+          <a:blip r:embed="rId2">
+            <a:extLst>
+              <a:ext uri="{28A0092B-C50C-407E-A947-70E740481C1C}">
+                <a14:useLocalDpi xmlns:a14="http://schemas.microsoft.com/office/drawing/2010/main" val="0"/>
+              </a:ext>
+            </a:extLst>
+          </a:blip>
+          <a:srcRect l="-44087" r="-44087"/>
+          <a:stretch>
+            <a:fillRect/>
+          </a:stretch>
+        </p:blipFill>
+        <p:spPr>
+          <a:xfrm>
+            <a:off x="-1183135" y="302112"/>
+            <a:ext cx="10740624" cy="7386560"/>
+          </a:xfrm>
+        </p:spPr>
+      </p:pic>
     </p:spTree>
     <p:extLst>
       <p:ext uri="{BB962C8B-B14F-4D97-AF65-F5344CB8AC3E}">
-        <p14:creationId xmlns:p14="http://schemas.microsoft.com/office/powerpoint/2010/main" val="303866184"/>
+        <p14:creationId xmlns:p14="http://schemas.microsoft.com/office/powerpoint/2010/main" val="1559470471"/>
       </p:ext>
     </p:extLst>
   </p:cSld>
@@ -4522,6 +4423,190 @@
           <a:p>
             <a:r>
               <a:rPr lang="en-US" dirty="0" smtClean="0"/>
+              <a:t>Team &amp; Project Management</a:t>
+            </a:r>
+            <a:endParaRPr lang="en-US" dirty="0"/>
+          </a:p>
+        </p:txBody>
+      </p:sp>
+      <p:sp>
+        <p:nvSpPr>
+          <p:cNvPr id="3" name="Content Placeholder 2"/>
+          <p:cNvSpPr>
+            <a:spLocks noGrp="1"/>
+          </p:cNvSpPr>
+          <p:nvPr>
+            <p:ph idx="1"/>
+          </p:nvPr>
+        </p:nvSpPr>
+        <p:spPr/>
+        <p:txBody>
+          <a:bodyPr/>
+          <a:lstStyle/>
+          <a:p>
+            <a:r>
+              <a:rPr lang="en-US" dirty="0" smtClean="0"/>
+              <a:t>Team communicated during class and e-mail</a:t>
+            </a:r>
+          </a:p>
+          <a:p>
+            <a:endParaRPr lang="en-US" dirty="0" smtClean="0"/>
+          </a:p>
+          <a:p>
+            <a:r>
+              <a:rPr lang="en-US" dirty="0" smtClean="0"/>
+              <a:t>Agile/Rapid Prototype methodology</a:t>
+            </a:r>
+          </a:p>
+          <a:p>
+            <a:pPr lvl="1"/>
+            <a:r>
+              <a:rPr lang="en-US" dirty="0" smtClean="0"/>
+              <a:t>Requirements: Use case diagram, technology framework</a:t>
+            </a:r>
+          </a:p>
+          <a:p>
+            <a:pPr lvl="1"/>
+            <a:r>
+              <a:rPr lang="en-US" dirty="0" smtClean="0"/>
+              <a:t>Create Models and verify database architecture</a:t>
+            </a:r>
+          </a:p>
+          <a:p>
+            <a:pPr lvl="1"/>
+            <a:r>
+              <a:rPr lang="en-US" dirty="0" smtClean="0"/>
+              <a:t>Create Controllers and API</a:t>
+            </a:r>
+          </a:p>
+          <a:p>
+            <a:pPr lvl="1"/>
+            <a:r>
+              <a:rPr lang="en-US" dirty="0" smtClean="0"/>
+              <a:t>Create Views/ Web application</a:t>
+            </a:r>
+          </a:p>
+          <a:p>
+            <a:endParaRPr lang="en-US" dirty="0" smtClean="0"/>
+          </a:p>
+          <a:p>
+            <a:r>
+              <a:rPr lang="en-US" dirty="0" smtClean="0"/>
+              <a:t>Utilized </a:t>
+            </a:r>
+            <a:r>
+              <a:rPr lang="en-US" dirty="0" err="1" smtClean="0"/>
+              <a:t>Github</a:t>
+            </a:r>
+            <a:r>
+              <a:rPr lang="en-US" dirty="0" smtClean="0"/>
+              <a:t> as collaborative code repository:</a:t>
+            </a:r>
+          </a:p>
+          <a:p>
+            <a:pPr lvl="1"/>
+            <a:r>
+              <a:rPr lang="en-US" dirty="0" err="1"/>
+              <a:t>Github</a:t>
+            </a:r>
+            <a:r>
+              <a:rPr lang="en-US" dirty="0"/>
+              <a:t>: http://</a:t>
+            </a:r>
+            <a:r>
+              <a:rPr lang="en-US" dirty="0" err="1"/>
+              <a:t>www.github.com</a:t>
+            </a:r>
+            <a:r>
+              <a:rPr lang="en-US" dirty="0"/>
+              <a:t>/</a:t>
+            </a:r>
+            <a:r>
+              <a:rPr lang="en-US" dirty="0" err="1"/>
+              <a:t>jasondbaker</a:t>
+            </a:r>
+            <a:r>
+              <a:rPr lang="en-US" dirty="0"/>
+              <a:t>/software-analysis</a:t>
+            </a:r>
+          </a:p>
+          <a:p>
+            <a:pPr lvl="1"/>
+            <a:endParaRPr lang="en-US" dirty="0" smtClean="0"/>
+          </a:p>
+        </p:txBody>
+      </p:sp>
+      <p:sp>
+        <p:nvSpPr>
+          <p:cNvPr id="4" name="Slide Number Placeholder 3"/>
+          <p:cNvSpPr>
+            <a:spLocks noGrp="1"/>
+          </p:cNvSpPr>
+          <p:nvPr>
+            <p:ph type="sldNum" sz="quarter" idx="12"/>
+          </p:nvPr>
+        </p:nvSpPr>
+        <p:spPr/>
+        <p:txBody>
+          <a:bodyPr/>
+          <a:lstStyle/>
+          <a:p>
+            <a:fld id="{0CFEC368-1D7A-4F81-ABF6-AE0E36BAF64C}" type="slidenum">
+              <a:rPr lang="en-US" smtClean="0"/>
+              <a:pPr/>
+              <a:t>5</a:t>
+            </a:fld>
+            <a:endParaRPr lang="en-US"/>
+          </a:p>
+        </p:txBody>
+      </p:sp>
+    </p:spTree>
+    <p:extLst>
+      <p:ext uri="{BB962C8B-B14F-4D97-AF65-F5344CB8AC3E}">
+        <p14:creationId xmlns:p14="http://schemas.microsoft.com/office/powerpoint/2010/main" val="303866184"/>
+      </p:ext>
+    </p:extLst>
+  </p:cSld>
+  <p:clrMapOvr>
+    <a:masterClrMapping/>
+  </p:clrMapOvr>
+</p:sld>
+</file>
+
+<file path=ppt/slides/slide6.xml><?xml version="1.0" encoding="utf-8"?>
+<p:sld xmlns:a="http://schemas.openxmlformats.org/drawingml/2006/main" xmlns:r="http://schemas.openxmlformats.org/officeDocument/2006/relationships" xmlns:p="http://schemas.openxmlformats.org/presentationml/2006/main">
+  <p:cSld>
+    <p:spTree>
+      <p:nvGrpSpPr>
+        <p:cNvPr id="1" name=""/>
+        <p:cNvGrpSpPr/>
+        <p:nvPr/>
+      </p:nvGrpSpPr>
+      <p:grpSpPr>
+        <a:xfrm>
+          <a:off x="0" y="0"/>
+          <a:ext cx="0" cy="0"/>
+          <a:chOff x="0" y="0"/>
+          <a:chExt cx="0" cy="0"/>
+        </a:xfrm>
+      </p:grpSpPr>
+      <p:sp>
+        <p:nvSpPr>
+          <p:cNvPr id="2" name="Title 1"/>
+          <p:cNvSpPr>
+            <a:spLocks noGrp="1"/>
+          </p:cNvSpPr>
+          <p:nvPr>
+            <p:ph type="title"/>
+          </p:nvPr>
+        </p:nvSpPr>
+        <p:spPr/>
+        <p:txBody>
+          <a:bodyPr/>
+          <a:lstStyle/>
+          <a:p>
+            <a:r>
+              <a:rPr lang="en-US" dirty="0" smtClean="0"/>
               <a:t>Lessons learned</a:t>
             </a:r>
             <a:endParaRPr lang="en-US" dirty="0"/>
@@ -4624,7 +4709,7 @@
             <a:fld id="{0CFEC368-1D7A-4F81-ABF6-AE0E36BAF64C}" type="slidenum">
               <a:rPr lang="en-US" smtClean="0"/>
               <a:pPr/>
-              <a:t>5</a:t>
+              <a:t>6</a:t>
             </a:fld>
             <a:endParaRPr lang="en-US"/>
           </a:p>
